--- a/Game/Game презентация.pptx
+++ b/Game/Game презентация.pptx
@@ -6797,13 +6797,13 @@
   <p:clrMapOvr>
     <a:masterClrMapping/>
   </p:clrMapOvr>
-  <mc:AlternateContent xmlns:mc="http://schemas.openxmlformats.org/markup-compatibility/2006">
-    <mc:Choice xmlns:p14="http://schemas.microsoft.com/office/powerpoint/2010/main" Requires="p14">
+  <mc:AlternateContent xmlns:mc="http://schemas.openxmlformats.org/markup-compatibility/2006" xmlns:p14="http://schemas.microsoft.com/office/powerpoint/2010/main">
+    <mc:Choice Requires="p14">
       <p:transition spd="med" p14:dur="700">
         <p:fade/>
       </p:transition>
     </mc:Choice>
-    <mc:Fallback>
+    <mc:Fallback xmlns="">
       <p:transition spd="med">
         <p:fade/>
       </p:transition>
@@ -7142,13 +7142,13 @@
   <p:clrMapOvr>
     <a:masterClrMapping/>
   </p:clrMapOvr>
-  <mc:AlternateContent xmlns:mc="http://schemas.openxmlformats.org/markup-compatibility/2006">
-    <mc:Choice xmlns:p14="http://schemas.microsoft.com/office/powerpoint/2010/main" Requires="p14">
+  <mc:AlternateContent xmlns:mc="http://schemas.openxmlformats.org/markup-compatibility/2006" xmlns:p14="http://schemas.microsoft.com/office/powerpoint/2010/main">
+    <mc:Choice Requires="p14">
       <p:transition spd="med" p14:dur="700">
         <p:fade/>
       </p:transition>
     </mc:Choice>
-    <mc:Fallback>
+    <mc:Fallback xmlns="">
       <p:transition spd="med">
         <p:fade/>
       </p:transition>
@@ -7413,13 +7413,13 @@
   <p:clrMapOvr>
     <a:masterClrMapping/>
   </p:clrMapOvr>
-  <mc:AlternateContent xmlns:mc="http://schemas.openxmlformats.org/markup-compatibility/2006">
-    <mc:Choice xmlns:p14="http://schemas.microsoft.com/office/powerpoint/2010/main" Requires="p14">
+  <mc:AlternateContent xmlns:mc="http://schemas.openxmlformats.org/markup-compatibility/2006" xmlns:p14="http://schemas.microsoft.com/office/powerpoint/2010/main">
+    <mc:Choice Requires="p14">
       <p:transition spd="med" p14:dur="700">
         <p:fade/>
       </p:transition>
     </mc:Choice>
-    <mc:Fallback>
+    <mc:Fallback xmlns="">
       <p:transition spd="med">
         <p:fade/>
       </p:transition>
@@ -7664,13 +7664,13 @@
   <p:clrMapOvr>
     <a:masterClrMapping/>
   </p:clrMapOvr>
-  <mc:AlternateContent xmlns:mc="http://schemas.openxmlformats.org/markup-compatibility/2006">
-    <mc:Choice xmlns:p14="http://schemas.microsoft.com/office/powerpoint/2010/main" Requires="p14">
+  <mc:AlternateContent xmlns:mc="http://schemas.openxmlformats.org/markup-compatibility/2006" xmlns:p14="http://schemas.microsoft.com/office/powerpoint/2010/main">
+    <mc:Choice Requires="p14">
       <p:transition spd="med" p14:dur="700">
         <p:fade/>
       </p:transition>
     </mc:Choice>
-    <mc:Fallback>
+    <mc:Fallback xmlns="">
       <p:transition spd="med">
         <p:fade/>
       </p:transition>
@@ -7984,13 +7984,13 @@
   <p:clrMapOvr>
     <a:masterClrMapping/>
   </p:clrMapOvr>
-  <mc:AlternateContent xmlns:mc="http://schemas.openxmlformats.org/markup-compatibility/2006">
-    <mc:Choice xmlns:p14="http://schemas.microsoft.com/office/powerpoint/2010/main" Requires="p14">
+  <mc:AlternateContent xmlns:mc="http://schemas.openxmlformats.org/markup-compatibility/2006" xmlns:p14="http://schemas.microsoft.com/office/powerpoint/2010/main">
+    <mc:Choice Requires="p14">
       <p:transition spd="med" p14:dur="700">
         <p:fade/>
       </p:transition>
     </mc:Choice>
-    <mc:Fallback>
+    <mc:Fallback xmlns="">
       <p:transition spd="med">
         <p:fade/>
       </p:transition>
@@ -8227,13 +8227,13 @@
   <p:clrMapOvr>
     <a:masterClrMapping/>
   </p:clrMapOvr>
-  <mc:AlternateContent xmlns:mc="http://schemas.openxmlformats.org/markup-compatibility/2006">
-    <mc:Choice xmlns:p14="http://schemas.microsoft.com/office/powerpoint/2010/main" Requires="p14">
+  <mc:AlternateContent xmlns:mc="http://schemas.openxmlformats.org/markup-compatibility/2006" xmlns:p14="http://schemas.microsoft.com/office/powerpoint/2010/main">
+    <mc:Choice Requires="p14">
       <p:transition spd="med" p14:dur="700">
         <p:fade/>
       </p:transition>
     </mc:Choice>
-    <mc:Fallback>
+    <mc:Fallback xmlns="">
       <p:transition spd="med">
         <p:fade/>
       </p:transition>
@@ -8467,13 +8467,13 @@
   <p:clrMapOvr>
     <a:masterClrMapping/>
   </p:clrMapOvr>
-  <mc:AlternateContent xmlns:mc="http://schemas.openxmlformats.org/markup-compatibility/2006">
-    <mc:Choice xmlns:p14="http://schemas.microsoft.com/office/powerpoint/2010/main" Requires="p14">
+  <mc:AlternateContent xmlns:mc="http://schemas.openxmlformats.org/markup-compatibility/2006" xmlns:p14="http://schemas.microsoft.com/office/powerpoint/2010/main">
+    <mc:Choice Requires="p14">
       <p:transition spd="med" p14:dur="700">
         <p:fade/>
       </p:transition>
     </mc:Choice>
-    <mc:Fallback>
+    <mc:Fallback xmlns="">
       <p:transition spd="med">
         <p:fade/>
       </p:transition>
@@ -8607,7 +8607,7 @@
                 <a:cs typeface="Impact"/>
                 <a:sym typeface="Impact"/>
               </a:rPr>
-              <a:t>В результате проделанной работы, мы разработали игру “Арканоид” на Python с интерфейсом. Цель работы и задачи полностью выполнены, произведено тестирование и улучшение кода, готовый код можете увидеть на гитхаб.</a:t>
+              <a:t>В результате проделанной работы, я разработал игру “Арканоид” на Python с интерфейсом. Цель работы и задачи полностью выполнены, произведено тестирование и улучшение кода, готовый код можете увидеть на гитхаб.</a:t>
             </a:r>
             <a:endParaRPr sz="2000" dirty="0">
               <a:solidFill>
@@ -8631,13 +8631,13 @@
   <p:clrMapOvr>
     <a:masterClrMapping/>
   </p:clrMapOvr>
-  <mc:AlternateContent xmlns:mc="http://schemas.openxmlformats.org/markup-compatibility/2006">
-    <mc:Choice xmlns:p14="http://schemas.microsoft.com/office/powerpoint/2010/main" Requires="p14">
+  <mc:AlternateContent xmlns:mc="http://schemas.openxmlformats.org/markup-compatibility/2006" xmlns:p14="http://schemas.microsoft.com/office/powerpoint/2010/main">
+    <mc:Choice Requires="p14">
       <p:transition spd="med" p14:dur="700">
         <p:fade/>
       </p:transition>
     </mc:Choice>
-    <mc:Fallback>
+    <mc:Fallback xmlns="">
       <p:transition spd="med">
         <p:fade/>
       </p:transition>
@@ -9179,13 +9179,13 @@
   <p:clrMapOvr>
     <a:masterClrMapping/>
   </p:clrMapOvr>
-  <mc:AlternateContent xmlns:mc="http://schemas.openxmlformats.org/markup-compatibility/2006">
-    <mc:Choice xmlns:p14="http://schemas.microsoft.com/office/powerpoint/2010/main" Requires="p14">
+  <mc:AlternateContent xmlns:mc="http://schemas.openxmlformats.org/markup-compatibility/2006" xmlns:p14="http://schemas.microsoft.com/office/powerpoint/2010/main">
+    <mc:Choice Requires="p14">
       <p:transition spd="med" p14:dur="700">
         <p:fade/>
       </p:transition>
     </mc:Choice>
-    <mc:Fallback>
+    <mc:Fallback xmlns="">
       <p:transition spd="med">
         <p:fade/>
       </p:transition>
@@ -9485,13 +9485,13 @@
   <p:clrMapOvr>
     <a:masterClrMapping/>
   </p:clrMapOvr>
-  <mc:AlternateContent xmlns:mc="http://schemas.openxmlformats.org/markup-compatibility/2006">
-    <mc:Choice xmlns:p14="http://schemas.microsoft.com/office/powerpoint/2010/main" Requires="p14">
+  <mc:AlternateContent xmlns:mc="http://schemas.openxmlformats.org/markup-compatibility/2006" xmlns:p14="http://schemas.microsoft.com/office/powerpoint/2010/main">
+    <mc:Choice Requires="p14">
       <p:transition spd="med" p14:dur="700">
         <p:fade/>
       </p:transition>
     </mc:Choice>
-    <mc:Fallback>
+    <mc:Fallback xmlns="">
       <p:transition spd="med">
         <p:fade/>
       </p:transition>
@@ -9703,13 +9703,13 @@
   <p:clrMapOvr>
     <a:masterClrMapping/>
   </p:clrMapOvr>
-  <mc:AlternateContent xmlns:mc="http://schemas.openxmlformats.org/markup-compatibility/2006">
-    <mc:Choice xmlns:p14="http://schemas.microsoft.com/office/powerpoint/2010/main" Requires="p14">
+  <mc:AlternateContent xmlns:mc="http://schemas.openxmlformats.org/markup-compatibility/2006" xmlns:p14="http://schemas.microsoft.com/office/powerpoint/2010/main">
+    <mc:Choice Requires="p14">
       <p:transition spd="med" p14:dur="700">
         <p:fade/>
       </p:transition>
     </mc:Choice>
-    <mc:Fallback>
+    <mc:Fallback xmlns="">
       <p:transition spd="med">
         <p:fade/>
       </p:transition>
@@ -10089,13 +10089,13 @@
   <p:clrMapOvr>
     <a:masterClrMapping/>
   </p:clrMapOvr>
-  <mc:AlternateContent xmlns:mc="http://schemas.openxmlformats.org/markup-compatibility/2006">
-    <mc:Choice xmlns:p14="http://schemas.microsoft.com/office/powerpoint/2010/main" Requires="p14">
+  <mc:AlternateContent xmlns:mc="http://schemas.openxmlformats.org/markup-compatibility/2006" xmlns:p14="http://schemas.microsoft.com/office/powerpoint/2010/main">
+    <mc:Choice Requires="p14">
       <p:transition spd="med" p14:dur="700">
         <p:fade/>
       </p:transition>
     </mc:Choice>
-    <mc:Fallback>
+    <mc:Fallback xmlns="">
       <p:transition spd="med">
         <p:fade/>
       </p:transition>
@@ -10226,7 +10226,7 @@
                 <a:cs typeface="Impact"/>
                 <a:sym typeface="Impact"/>
               </a:rPr>
-              <a:t>При обсуждении идеи, мы решили, что хотим создать игру “</a:t>
+              <a:t>При обсуждении идеи, я решил, что хочу создать игру “</a:t>
             </a:r>
             <a:r>
               <a:rPr lang="ru-RU" sz="1400" dirty="0" err="1">
@@ -10250,7 +10250,7 @@
                 <a:cs typeface="Impact"/>
                 <a:sym typeface="Impact"/>
               </a:rPr>
-              <a:t>”, так как это показалось нам наиболее интересным вариантом в плане разработки. Дизайн выбрали, минималистичный.</a:t>
+              <a:t>”, так как это показалось мне наиболее интересным вариантом в плане разработки. Дизайн выбрал, минималистичный.</a:t>
             </a:r>
           </a:p>
         </p:txBody>
@@ -10295,13 +10295,13 @@
   <p:clrMapOvr>
     <a:masterClrMapping/>
   </p:clrMapOvr>
-  <mc:AlternateContent xmlns:mc="http://schemas.openxmlformats.org/markup-compatibility/2006">
-    <mc:Choice xmlns:p14="http://schemas.microsoft.com/office/powerpoint/2010/main" Requires="p14">
+  <mc:AlternateContent xmlns:mc="http://schemas.openxmlformats.org/markup-compatibility/2006" xmlns:p14="http://schemas.microsoft.com/office/powerpoint/2010/main">
+    <mc:Choice Requires="p14">
       <p:transition spd="med" p14:dur="700">
         <p:fade/>
       </p:transition>
     </mc:Choice>
-    <mc:Fallback>
+    <mc:Fallback xmlns="">
       <p:transition spd="med">
         <p:fade/>
       </p:transition>
@@ -10669,7 +10669,7 @@
                 <a:cs typeface="Impact"/>
                 <a:sym typeface="Impact"/>
               </a:rPr>
-              <a:t>Далее мы принялись изучать материал, который нам пригодится для создания проекта. Первым делом мы познакомились с библиотекой </a:t>
+              <a:t>Далее я принялся изучать материал, который пригодится для создания проекта. Первым делом я познакомился с библиотекой </a:t>
             </a:r>
             <a:r>
               <a:rPr lang="en-US" sz="2000" dirty="0" err="1">
@@ -10693,7 +10693,7 @@
                 <a:cs typeface="Impact"/>
                 <a:sym typeface="Impact"/>
               </a:rPr>
-              <a:t> - основа графического интерфейса игры.  Вспомнили основы языка и ООП.</a:t>
+              <a:t> - основа графического интерфейса игры.  Вспомнил основы языка и ООП.</a:t>
             </a:r>
             <a:endParaRPr sz="2000" dirty="0">
               <a:solidFill>
@@ -10717,13 +10717,13 @@
   <p:clrMapOvr>
     <a:masterClrMapping/>
   </p:clrMapOvr>
-  <mc:AlternateContent xmlns:mc="http://schemas.openxmlformats.org/markup-compatibility/2006">
-    <mc:Choice xmlns:p14="http://schemas.microsoft.com/office/powerpoint/2010/main" Requires="p14">
+  <mc:AlternateContent xmlns:mc="http://schemas.openxmlformats.org/markup-compatibility/2006" xmlns:p14="http://schemas.microsoft.com/office/powerpoint/2010/main">
+    <mc:Choice Requires="p14">
       <p:transition spd="med" p14:dur="700">
         <p:fade/>
       </p:transition>
     </mc:Choice>
-    <mc:Fallback>
+    <mc:Fallback xmlns="">
       <p:transition spd="med">
         <p:fade/>
       </p:transition>
@@ -10904,13 +10904,13 @@
   <p:clrMapOvr>
     <a:masterClrMapping/>
   </p:clrMapOvr>
-  <mc:AlternateContent xmlns:mc="http://schemas.openxmlformats.org/markup-compatibility/2006">
-    <mc:Choice xmlns:p14="http://schemas.microsoft.com/office/powerpoint/2010/main" Requires="p14">
+  <mc:AlternateContent xmlns:mc="http://schemas.openxmlformats.org/markup-compatibility/2006" xmlns:p14="http://schemas.microsoft.com/office/powerpoint/2010/main">
+    <mc:Choice Requires="p14">
       <p:transition spd="med" p14:dur="700">
         <p:fade/>
       </p:transition>
     </mc:Choice>
-    <mc:Fallback>
+    <mc:Fallback xmlns="">
       <p:transition spd="med">
         <p:fade/>
       </p:transition>
@@ -11063,13 +11063,13 @@
   <p:clrMapOvr>
     <a:masterClrMapping/>
   </p:clrMapOvr>
-  <mc:AlternateContent xmlns:mc="http://schemas.openxmlformats.org/markup-compatibility/2006">
-    <mc:Choice xmlns:p14="http://schemas.microsoft.com/office/powerpoint/2010/main" Requires="p14">
+  <mc:AlternateContent xmlns:mc="http://schemas.openxmlformats.org/markup-compatibility/2006" xmlns:p14="http://schemas.microsoft.com/office/powerpoint/2010/main">
+    <mc:Choice Requires="p14">
       <p:transition spd="med" p14:dur="700">
         <p:fade/>
       </p:transition>
     </mc:Choice>
-    <mc:Fallback>
+    <mc:Fallback xmlns="">
       <p:transition spd="med">
         <p:fade/>
       </p:transition>
@@ -11222,13 +11222,13 @@
   <p:clrMapOvr>
     <a:masterClrMapping/>
   </p:clrMapOvr>
-  <mc:AlternateContent xmlns:mc="http://schemas.openxmlformats.org/markup-compatibility/2006">
-    <mc:Choice xmlns:p14="http://schemas.microsoft.com/office/powerpoint/2010/main" Requires="p14">
+  <mc:AlternateContent xmlns:mc="http://schemas.openxmlformats.org/markup-compatibility/2006" xmlns:p14="http://schemas.microsoft.com/office/powerpoint/2010/main">
+    <mc:Choice Requires="p14">
       <p:transition spd="med" p14:dur="700">
         <p:fade/>
       </p:transition>
     </mc:Choice>
-    <mc:Fallback>
+    <mc:Fallback xmlns="">
       <p:transition spd="med">
         <p:fade/>
       </p:transition>
@@ -11407,13 +11407,13 @@
   <p:clrMapOvr>
     <a:masterClrMapping/>
   </p:clrMapOvr>
-  <mc:AlternateContent xmlns:mc="http://schemas.openxmlformats.org/markup-compatibility/2006">
-    <mc:Choice xmlns:p14="http://schemas.microsoft.com/office/powerpoint/2010/main" Requires="p14">
+  <mc:AlternateContent xmlns:mc="http://schemas.openxmlformats.org/markup-compatibility/2006" xmlns:p14="http://schemas.microsoft.com/office/powerpoint/2010/main">
+    <mc:Choice Requires="p14">
       <p:transition spd="med" p14:dur="700">
         <p:fade/>
       </p:transition>
     </mc:Choice>
-    <mc:Fallback>
+    <mc:Fallback xmlns="">
       <p:transition spd="med">
         <p:fade/>
       </p:transition>
